--- a/Apigee_Glass.pptx
+++ b/Apigee_Glass.pptx
@@ -6,6 +6,13 @@
   </p:sldMasterIdLst>
   <p:sldIdLst>
     <p:sldId id="256" r:id="rId2"/>
+    <p:sldId id="260" r:id="rId3"/>
+    <p:sldId id="257" r:id="rId4"/>
+    <p:sldId id="258" r:id="rId5"/>
+    <p:sldId id="259" r:id="rId6"/>
+    <p:sldId id="261" r:id="rId7"/>
+    <p:sldId id="262" r:id="rId8"/>
+    <p:sldId id="263" r:id="rId9"/>
   </p:sldIdLst>
   <p:sldSz cx="9144000" cy="6858000" type="screen4x3"/>
   <p:notesSz cx="6858000" cy="9144000"/>
@@ -3204,6 +3211,705 @@
     <p:extLst>
       <p:ext uri="{BB962C8B-B14F-4D97-AF65-F5344CB8AC3E}">
         <p14:creationId xmlns:p14="http://schemas.microsoft.com/office/powerpoint/2010/main" val="791364233"/>
+      </p:ext>
+    </p:extLst>
+  </p:cSld>
+  <p:clrMapOvr>
+    <a:masterClrMapping/>
+  </p:clrMapOvr>
+</p:sld>
+</file>
+
+<file path=ppt/slides/slide2.xml><?xml version="1.0" encoding="utf-8"?>
+<p:sld xmlns:a="http://schemas.openxmlformats.org/drawingml/2006/main" xmlns:r="http://schemas.openxmlformats.org/officeDocument/2006/relationships" xmlns:p="http://schemas.openxmlformats.org/presentationml/2006/main">
+  <p:cSld>
+    <p:spTree>
+      <p:nvGrpSpPr>
+        <p:cNvPr id="1" name=""/>
+        <p:cNvGrpSpPr/>
+        <p:nvPr/>
+      </p:nvGrpSpPr>
+      <p:grpSpPr>
+        <a:xfrm>
+          <a:off x="0" y="0"/>
+          <a:ext cx="0" cy="0"/>
+          <a:chOff x="0" y="0"/>
+          <a:chExt cx="0" cy="0"/>
+        </a:xfrm>
+      </p:grpSpPr>
+      <p:sp>
+        <p:nvSpPr>
+          <p:cNvPr id="2" name="Title 1"/>
+          <p:cNvSpPr>
+            <a:spLocks noGrp="1"/>
+          </p:cNvSpPr>
+          <p:nvPr>
+            <p:ph type="title"/>
+          </p:nvPr>
+        </p:nvSpPr>
+        <p:spPr/>
+        <p:txBody>
+          <a:bodyPr/>
+          <a:lstStyle/>
+          <a:p>
+            <a:r>
+              <a:rPr lang="en-US" dirty="0" smtClean="0"/>
+              <a:t>About Me</a:t>
+            </a:r>
+            <a:endParaRPr lang="en-US" dirty="0"/>
+          </a:p>
+        </p:txBody>
+      </p:sp>
+      <p:sp>
+        <p:nvSpPr>
+          <p:cNvPr id="3" name="Content Placeholder 2"/>
+          <p:cNvSpPr>
+            <a:spLocks noGrp="1"/>
+          </p:cNvSpPr>
+          <p:nvPr>
+            <p:ph idx="1"/>
+          </p:nvPr>
+        </p:nvSpPr>
+        <p:spPr/>
+        <p:txBody>
+          <a:bodyPr/>
+          <a:lstStyle/>
+          <a:p>
+            <a:r>
+              <a:rPr lang="en-US" dirty="0" smtClean="0"/>
+              <a:t>JavaScript developer since January 2013</a:t>
+            </a:r>
+          </a:p>
+          <a:p>
+            <a:r>
+              <a:rPr lang="en-US" dirty="0" smtClean="0"/>
+              <a:t>Tablet prototyping at </a:t>
+            </a:r>
+            <a:r>
+              <a:rPr lang="en-US" dirty="0" err="1" smtClean="0"/>
+              <a:t>Macys.com</a:t>
+            </a:r>
+            <a:endParaRPr lang="en-US" dirty="0" smtClean="0"/>
+          </a:p>
+          <a:p>
+            <a:r>
+              <a:rPr lang="en-US" dirty="0" smtClean="0"/>
+              <a:t>Interested in how technology can bring humans closer to our environment</a:t>
+            </a:r>
+          </a:p>
+          <a:p>
+            <a:endParaRPr lang="en-US" dirty="0" smtClean="0"/>
+          </a:p>
+          <a:p>
+            <a:endParaRPr lang="en-US" dirty="0"/>
+          </a:p>
+        </p:txBody>
+      </p:sp>
+    </p:spTree>
+    <p:extLst>
+      <p:ext uri="{BB962C8B-B14F-4D97-AF65-F5344CB8AC3E}">
+        <p14:creationId xmlns:p14="http://schemas.microsoft.com/office/powerpoint/2010/main" val="3389563447"/>
+      </p:ext>
+    </p:extLst>
+  </p:cSld>
+  <p:clrMapOvr>
+    <a:masterClrMapping/>
+  </p:clrMapOvr>
+</p:sld>
+</file>
+
+<file path=ppt/slides/slide3.xml><?xml version="1.0" encoding="utf-8"?>
+<p:sld xmlns:a="http://schemas.openxmlformats.org/drawingml/2006/main" xmlns:r="http://schemas.openxmlformats.org/officeDocument/2006/relationships" xmlns:p="http://schemas.openxmlformats.org/presentationml/2006/main">
+  <p:cSld>
+    <p:spTree>
+      <p:nvGrpSpPr>
+        <p:cNvPr id="1" name=""/>
+        <p:cNvGrpSpPr/>
+        <p:nvPr/>
+      </p:nvGrpSpPr>
+      <p:grpSpPr>
+        <a:xfrm>
+          <a:off x="0" y="0"/>
+          <a:ext cx="0" cy="0"/>
+          <a:chOff x="0" y="0"/>
+          <a:chExt cx="0" cy="0"/>
+        </a:xfrm>
+      </p:grpSpPr>
+      <p:sp>
+        <p:nvSpPr>
+          <p:cNvPr id="2" name="Title 1"/>
+          <p:cNvSpPr>
+            <a:spLocks noGrp="1"/>
+          </p:cNvSpPr>
+          <p:nvPr>
+            <p:ph type="title"/>
+          </p:nvPr>
+        </p:nvSpPr>
+        <p:spPr/>
+        <p:txBody>
+          <a:bodyPr/>
+          <a:lstStyle/>
+          <a:p>
+            <a:r>
+              <a:rPr lang="en-US" dirty="0" smtClean="0"/>
+              <a:t>Overview of Google Glass</a:t>
+            </a:r>
+            <a:endParaRPr lang="en-US" dirty="0"/>
+          </a:p>
+        </p:txBody>
+      </p:sp>
+      <p:sp>
+        <p:nvSpPr>
+          <p:cNvPr id="3" name="Content Placeholder 2"/>
+          <p:cNvSpPr>
+            <a:spLocks noGrp="1"/>
+          </p:cNvSpPr>
+          <p:nvPr>
+            <p:ph idx="1"/>
+          </p:nvPr>
+        </p:nvSpPr>
+        <p:spPr/>
+        <p:txBody>
+          <a:bodyPr/>
+          <a:lstStyle/>
+          <a:p>
+            <a:r>
+              <a:rPr lang="en-US" dirty="0" smtClean="0"/>
+              <a:t>Notifications</a:t>
+            </a:r>
+          </a:p>
+          <a:p>
+            <a:r>
+              <a:rPr lang="en-US" dirty="0" smtClean="0"/>
+              <a:t>Cards</a:t>
+            </a:r>
+          </a:p>
+          <a:p>
+            <a:r>
+              <a:rPr lang="en-US" dirty="0" smtClean="0"/>
+              <a:t>Directions</a:t>
+            </a:r>
+          </a:p>
+          <a:p>
+            <a:r>
+              <a:rPr lang="en-US" dirty="0" smtClean="0"/>
+              <a:t>Photo/Video</a:t>
+            </a:r>
+          </a:p>
+          <a:p>
+            <a:r>
+              <a:rPr lang="en-US" dirty="0" smtClean="0"/>
+              <a:t>Social</a:t>
+            </a:r>
+            <a:endParaRPr lang="en-US" dirty="0"/>
+          </a:p>
+        </p:txBody>
+      </p:sp>
+    </p:spTree>
+    <p:extLst>
+      <p:ext uri="{BB962C8B-B14F-4D97-AF65-F5344CB8AC3E}">
+        <p14:creationId xmlns:p14="http://schemas.microsoft.com/office/powerpoint/2010/main" val="1461432796"/>
+      </p:ext>
+    </p:extLst>
+  </p:cSld>
+  <p:clrMapOvr>
+    <a:masterClrMapping/>
+  </p:clrMapOvr>
+</p:sld>
+</file>
+
+<file path=ppt/slides/slide4.xml><?xml version="1.0" encoding="utf-8"?>
+<p:sld xmlns:a="http://schemas.openxmlformats.org/drawingml/2006/main" xmlns:r="http://schemas.openxmlformats.org/officeDocument/2006/relationships" xmlns:p="http://schemas.openxmlformats.org/presentationml/2006/main">
+  <p:cSld>
+    <p:spTree>
+      <p:nvGrpSpPr>
+        <p:cNvPr id="1" name=""/>
+        <p:cNvGrpSpPr/>
+        <p:nvPr/>
+      </p:nvGrpSpPr>
+      <p:grpSpPr>
+        <a:xfrm>
+          <a:off x="0" y="0"/>
+          <a:ext cx="0" cy="0"/>
+          <a:chOff x="0" y="0"/>
+          <a:chExt cx="0" cy="0"/>
+        </a:xfrm>
+      </p:grpSpPr>
+      <p:sp>
+        <p:nvSpPr>
+          <p:cNvPr id="2" name="Title 1"/>
+          <p:cNvSpPr>
+            <a:spLocks noGrp="1"/>
+          </p:cNvSpPr>
+          <p:nvPr>
+            <p:ph type="title"/>
+          </p:nvPr>
+        </p:nvSpPr>
+        <p:spPr/>
+        <p:txBody>
+          <a:bodyPr/>
+          <a:lstStyle/>
+          <a:p>
+            <a:r>
+              <a:rPr lang="en-US" dirty="0" smtClean="0"/>
+              <a:t>My Favorite Glass Features</a:t>
+            </a:r>
+            <a:endParaRPr lang="en-US" dirty="0"/>
+          </a:p>
+        </p:txBody>
+      </p:sp>
+      <p:sp>
+        <p:nvSpPr>
+          <p:cNvPr id="3" name="Content Placeholder 2"/>
+          <p:cNvSpPr>
+            <a:spLocks noGrp="1"/>
+          </p:cNvSpPr>
+          <p:nvPr>
+            <p:ph idx="1"/>
+          </p:nvPr>
+        </p:nvSpPr>
+        <p:spPr/>
+        <p:txBody>
+          <a:bodyPr/>
+          <a:lstStyle/>
+          <a:p>
+            <a:r>
+              <a:rPr lang="en-US" dirty="0" smtClean="0"/>
+              <a:t>Text/Email</a:t>
+            </a:r>
+          </a:p>
+          <a:p>
+            <a:r>
+              <a:rPr lang="en-US" dirty="0" smtClean="0"/>
+              <a:t>Biking Directions</a:t>
+            </a:r>
+          </a:p>
+          <a:p>
+            <a:r>
+              <a:rPr lang="en-US" dirty="0" smtClean="0"/>
+              <a:t>Google Now Search</a:t>
+            </a:r>
+            <a:endParaRPr lang="en-US" dirty="0"/>
+          </a:p>
+        </p:txBody>
+      </p:sp>
+    </p:spTree>
+    <p:extLst>
+      <p:ext uri="{BB962C8B-B14F-4D97-AF65-F5344CB8AC3E}">
+        <p14:creationId xmlns:p14="http://schemas.microsoft.com/office/powerpoint/2010/main" val="1327410007"/>
+      </p:ext>
+    </p:extLst>
+  </p:cSld>
+  <p:clrMapOvr>
+    <a:masterClrMapping/>
+  </p:clrMapOvr>
+</p:sld>
+</file>
+
+<file path=ppt/slides/slide5.xml><?xml version="1.0" encoding="utf-8"?>
+<p:sld xmlns:a="http://schemas.openxmlformats.org/drawingml/2006/main" xmlns:r="http://schemas.openxmlformats.org/officeDocument/2006/relationships" xmlns:p="http://schemas.openxmlformats.org/presentationml/2006/main">
+  <p:cSld>
+    <p:spTree>
+      <p:nvGrpSpPr>
+        <p:cNvPr id="1" name=""/>
+        <p:cNvGrpSpPr/>
+        <p:nvPr/>
+      </p:nvGrpSpPr>
+      <p:grpSpPr>
+        <a:xfrm>
+          <a:off x="0" y="0"/>
+          <a:ext cx="0" cy="0"/>
+          <a:chOff x="0" y="0"/>
+          <a:chExt cx="0" cy="0"/>
+        </a:xfrm>
+      </p:grpSpPr>
+      <p:sp>
+        <p:nvSpPr>
+          <p:cNvPr id="2" name="Title 1"/>
+          <p:cNvSpPr>
+            <a:spLocks noGrp="1"/>
+          </p:cNvSpPr>
+          <p:nvPr>
+            <p:ph type="title"/>
+          </p:nvPr>
+        </p:nvSpPr>
+        <p:spPr/>
+        <p:txBody>
+          <a:bodyPr/>
+          <a:lstStyle/>
+          <a:p>
+            <a:r>
+              <a:rPr lang="en-US" dirty="0" smtClean="0"/>
+              <a:t>Google Glass Development</a:t>
+            </a:r>
+            <a:endParaRPr lang="en-US" dirty="0"/>
+          </a:p>
+        </p:txBody>
+      </p:sp>
+      <p:sp>
+        <p:nvSpPr>
+          <p:cNvPr id="3" name="Content Placeholder 2"/>
+          <p:cNvSpPr>
+            <a:spLocks noGrp="1"/>
+          </p:cNvSpPr>
+          <p:nvPr>
+            <p:ph idx="1"/>
+          </p:nvPr>
+        </p:nvSpPr>
+        <p:spPr/>
+        <p:txBody>
+          <a:bodyPr/>
+          <a:lstStyle/>
+          <a:p>
+            <a:r>
+              <a:rPr lang="en-US" dirty="0" smtClean="0"/>
+              <a:t>No store or formal distribution method yet</a:t>
+            </a:r>
+          </a:p>
+          <a:p>
+            <a:r>
+              <a:rPr lang="en-US" dirty="0" smtClean="0"/>
+              <a:t>GDK unveiled this week</a:t>
+            </a:r>
+          </a:p>
+          <a:p>
+            <a:r>
+              <a:rPr lang="en-US" dirty="0" smtClean="0"/>
+              <a:t>.</a:t>
+            </a:r>
+            <a:r>
+              <a:rPr lang="en-US" dirty="0" err="1" smtClean="0"/>
+              <a:t>apk</a:t>
+            </a:r>
+            <a:r>
+              <a:rPr lang="en-US" dirty="0" smtClean="0"/>
+              <a:t> Android development or Mirror API</a:t>
+            </a:r>
+          </a:p>
+          <a:p>
+            <a:r>
+              <a:rPr lang="en-US" dirty="0" smtClean="0"/>
+              <a:t>Frequent operating system and API updates, as well as forthcoming hardware updates</a:t>
+            </a:r>
+            <a:endParaRPr lang="en-US" dirty="0"/>
+          </a:p>
+        </p:txBody>
+      </p:sp>
+    </p:spTree>
+    <p:extLst>
+      <p:ext uri="{BB962C8B-B14F-4D97-AF65-F5344CB8AC3E}">
+        <p14:creationId xmlns:p14="http://schemas.microsoft.com/office/powerpoint/2010/main" val="3764328714"/>
+      </p:ext>
+    </p:extLst>
+  </p:cSld>
+  <p:clrMapOvr>
+    <a:masterClrMapping/>
+  </p:clrMapOvr>
+</p:sld>
+</file>
+
+<file path=ppt/slides/slide6.xml><?xml version="1.0" encoding="utf-8"?>
+<p:sld xmlns:a="http://schemas.openxmlformats.org/drawingml/2006/main" xmlns:r="http://schemas.openxmlformats.org/officeDocument/2006/relationships" xmlns:p="http://schemas.openxmlformats.org/presentationml/2006/main">
+  <p:cSld>
+    <p:spTree>
+      <p:nvGrpSpPr>
+        <p:cNvPr id="1" name=""/>
+        <p:cNvGrpSpPr/>
+        <p:nvPr/>
+      </p:nvGrpSpPr>
+      <p:grpSpPr>
+        <a:xfrm>
+          <a:off x="0" y="0"/>
+          <a:ext cx="0" cy="0"/>
+          <a:chOff x="0" y="0"/>
+          <a:chExt cx="0" cy="0"/>
+        </a:xfrm>
+      </p:grpSpPr>
+      <p:sp>
+        <p:nvSpPr>
+          <p:cNvPr id="2" name="Title 1"/>
+          <p:cNvSpPr>
+            <a:spLocks noGrp="1"/>
+          </p:cNvSpPr>
+          <p:nvPr>
+            <p:ph type="title"/>
+          </p:nvPr>
+        </p:nvSpPr>
+        <p:spPr/>
+        <p:txBody>
+          <a:bodyPr/>
+          <a:lstStyle/>
+          <a:p>
+            <a:r>
+              <a:rPr lang="en-US" dirty="0" smtClean="0"/>
+              <a:t>Best Glass </a:t>
+            </a:r>
+            <a:r>
+              <a:rPr lang="en-US" dirty="0" err="1" smtClean="0"/>
+              <a:t>Experieces</a:t>
+            </a:r>
+            <a:endParaRPr lang="en-US" dirty="0"/>
+          </a:p>
+        </p:txBody>
+      </p:sp>
+      <p:sp>
+        <p:nvSpPr>
+          <p:cNvPr id="3" name="Content Placeholder 2"/>
+          <p:cNvSpPr>
+            <a:spLocks noGrp="1"/>
+          </p:cNvSpPr>
+          <p:nvPr>
+            <p:ph idx="1"/>
+          </p:nvPr>
+        </p:nvSpPr>
+        <p:spPr/>
+        <p:txBody>
+          <a:bodyPr/>
+          <a:lstStyle/>
+          <a:p>
+            <a:r>
+              <a:rPr lang="en-US" dirty="0" smtClean="0"/>
+              <a:t>Contextual</a:t>
+            </a:r>
+          </a:p>
+          <a:p>
+            <a:r>
+              <a:rPr lang="en-US" dirty="0" smtClean="0"/>
+              <a:t>Relevant</a:t>
+            </a:r>
+          </a:p>
+          <a:p>
+            <a:r>
+              <a:rPr lang="en-US" dirty="0" smtClean="0"/>
+              <a:t>Quick</a:t>
+            </a:r>
+          </a:p>
+        </p:txBody>
+      </p:sp>
+    </p:spTree>
+    <p:extLst>
+      <p:ext uri="{BB962C8B-B14F-4D97-AF65-F5344CB8AC3E}">
+        <p14:creationId xmlns:p14="http://schemas.microsoft.com/office/powerpoint/2010/main" val="3718552554"/>
+      </p:ext>
+    </p:extLst>
+  </p:cSld>
+  <p:clrMapOvr>
+    <a:masterClrMapping/>
+  </p:clrMapOvr>
+</p:sld>
+</file>
+
+<file path=ppt/slides/slide7.xml><?xml version="1.0" encoding="utf-8"?>
+<p:sld xmlns:a="http://schemas.openxmlformats.org/drawingml/2006/main" xmlns:r="http://schemas.openxmlformats.org/officeDocument/2006/relationships" xmlns:p="http://schemas.openxmlformats.org/presentationml/2006/main">
+  <p:cSld>
+    <p:spTree>
+      <p:nvGrpSpPr>
+        <p:cNvPr id="1" name=""/>
+        <p:cNvGrpSpPr/>
+        <p:nvPr/>
+      </p:nvGrpSpPr>
+      <p:grpSpPr>
+        <a:xfrm>
+          <a:off x="0" y="0"/>
+          <a:ext cx="0" cy="0"/>
+          <a:chOff x="0" y="0"/>
+          <a:chExt cx="0" cy="0"/>
+        </a:xfrm>
+      </p:grpSpPr>
+      <p:sp>
+        <p:nvSpPr>
+          <p:cNvPr id="2" name="Title 1"/>
+          <p:cNvSpPr>
+            <a:spLocks noGrp="1"/>
+          </p:cNvSpPr>
+          <p:nvPr>
+            <p:ph type="title"/>
+          </p:nvPr>
+        </p:nvSpPr>
+        <p:spPr/>
+        <p:txBody>
+          <a:bodyPr/>
+          <a:lstStyle/>
+          <a:p>
+            <a:r>
+              <a:rPr lang="en-US" dirty="0" smtClean="0"/>
+              <a:t>Limitations</a:t>
+            </a:r>
+            <a:endParaRPr lang="en-US" dirty="0"/>
+          </a:p>
+        </p:txBody>
+      </p:sp>
+      <p:sp>
+        <p:nvSpPr>
+          <p:cNvPr id="3" name="Content Placeholder 2"/>
+          <p:cNvSpPr>
+            <a:spLocks noGrp="1"/>
+          </p:cNvSpPr>
+          <p:nvPr>
+            <p:ph idx="1"/>
+          </p:nvPr>
+        </p:nvSpPr>
+        <p:spPr/>
+        <p:txBody>
+          <a:bodyPr/>
+          <a:lstStyle/>
+          <a:p>
+            <a:r>
+              <a:rPr lang="en-US" dirty="0" smtClean="0"/>
+              <a:t>Battery power</a:t>
+            </a:r>
+          </a:p>
+          <a:p>
+            <a:r>
+              <a:rPr lang="en-US" dirty="0" smtClean="0"/>
+              <a:t>Eye fatigue</a:t>
+            </a:r>
+          </a:p>
+        </p:txBody>
+      </p:sp>
+    </p:spTree>
+    <p:extLst>
+      <p:ext uri="{BB962C8B-B14F-4D97-AF65-F5344CB8AC3E}">
+        <p14:creationId xmlns:p14="http://schemas.microsoft.com/office/powerpoint/2010/main" val="2180615444"/>
+      </p:ext>
+    </p:extLst>
+  </p:cSld>
+  <p:clrMapOvr>
+    <a:masterClrMapping/>
+  </p:clrMapOvr>
+</p:sld>
+</file>
+
+<file path=ppt/slides/slide8.xml><?xml version="1.0" encoding="utf-8"?>
+<p:sld xmlns:a="http://schemas.openxmlformats.org/drawingml/2006/main" xmlns:r="http://schemas.openxmlformats.org/officeDocument/2006/relationships" xmlns:p="http://schemas.openxmlformats.org/presentationml/2006/main">
+  <p:cSld>
+    <p:spTree>
+      <p:nvGrpSpPr>
+        <p:cNvPr id="1" name=""/>
+        <p:cNvGrpSpPr/>
+        <p:nvPr/>
+      </p:nvGrpSpPr>
+      <p:grpSpPr>
+        <a:xfrm>
+          <a:off x="0" y="0"/>
+          <a:ext cx="0" cy="0"/>
+          <a:chOff x="0" y="0"/>
+          <a:chExt cx="0" cy="0"/>
+        </a:xfrm>
+      </p:grpSpPr>
+      <p:sp>
+        <p:nvSpPr>
+          <p:cNvPr id="2" name="Title 1"/>
+          <p:cNvSpPr>
+            <a:spLocks noGrp="1"/>
+          </p:cNvSpPr>
+          <p:nvPr>
+            <p:ph type="title"/>
+          </p:nvPr>
+        </p:nvSpPr>
+        <p:spPr/>
+        <p:txBody>
+          <a:bodyPr/>
+          <a:lstStyle/>
+          <a:p>
+            <a:r>
+              <a:rPr lang="en-US" dirty="0" smtClean="0"/>
+              <a:t>HTML5 Demo with </a:t>
+            </a:r>
+            <a:r>
+              <a:rPr lang="en-US" dirty="0" err="1" smtClean="0"/>
+              <a:t>PhoneGap</a:t>
+            </a:r>
+            <a:endParaRPr lang="en-US" dirty="0"/>
+          </a:p>
+        </p:txBody>
+      </p:sp>
+      <p:sp>
+        <p:nvSpPr>
+          <p:cNvPr id="3" name="Content Placeholder 2"/>
+          <p:cNvSpPr>
+            <a:spLocks noGrp="1"/>
+          </p:cNvSpPr>
+          <p:nvPr>
+            <p:ph idx="1"/>
+          </p:nvPr>
+        </p:nvSpPr>
+        <p:spPr/>
+        <p:txBody>
+          <a:bodyPr/>
+          <a:lstStyle/>
+          <a:p>
+            <a:r>
+              <a:rPr lang="en-US" dirty="0" smtClean="0"/>
+              <a:t>Google Glass</a:t>
+            </a:r>
+          </a:p>
+          <a:p>
+            <a:r>
+              <a:rPr lang="en-US" dirty="0" smtClean="0"/>
+              <a:t>ADT Bundle or IDE with ADT Plugin </a:t>
+            </a:r>
+            <a:r>
+              <a:rPr lang="en-US" dirty="0" smtClean="0">
+                <a:hlinkClick r:id="rId2"/>
+              </a:rPr>
+              <a:t>http://developer.android.com/sdk/installing/bundle.html</a:t>
+            </a:r>
+            <a:endParaRPr lang="en-US" dirty="0" smtClean="0"/>
+          </a:p>
+          <a:p>
+            <a:r>
+              <a:rPr lang="en-US" dirty="0" err="1" smtClean="0"/>
+              <a:t>adb</a:t>
+            </a:r>
+            <a:r>
+              <a:rPr lang="en-US" dirty="0" smtClean="0"/>
+              <a:t> $PATH variable setup </a:t>
+            </a:r>
+            <a:r>
+              <a:rPr lang="en-US" dirty="0" smtClean="0">
+                <a:hlinkClick r:id="rId3"/>
+              </a:rPr>
+              <a:t>http://developer.android.com/tools/help/adb.html</a:t>
+            </a:r>
+            <a:endParaRPr lang="en-US" dirty="0" smtClean="0"/>
+          </a:p>
+          <a:p>
+            <a:r>
+              <a:rPr lang="en-US" dirty="0" err="1" smtClean="0"/>
+              <a:t>PhoneGap</a:t>
+            </a:r>
+            <a:r>
+              <a:rPr lang="en-US" dirty="0" smtClean="0"/>
+              <a:t> (2.7.0+) </a:t>
+            </a:r>
+            <a:r>
+              <a:rPr lang="en-US" dirty="0" smtClean="0">
+                <a:hlinkClick r:id="rId4"/>
+              </a:rPr>
+              <a:t>http://phonegap.com</a:t>
+            </a:r>
+            <a:r>
+              <a:rPr lang="en-US" smtClean="0">
+                <a:hlinkClick r:id="rId4"/>
+              </a:rPr>
+              <a:t>/</a:t>
+            </a:r>
+            <a:r>
+              <a:rPr lang="en-US" smtClean="0"/>
+              <a:t> </a:t>
+            </a:r>
+            <a:endParaRPr lang="en-US" dirty="0" smtClean="0"/>
+          </a:p>
+          <a:p>
+            <a:endParaRPr lang="en-US" dirty="0"/>
+          </a:p>
+        </p:txBody>
+      </p:sp>
+    </p:spTree>
+    <p:extLst>
+      <p:ext uri="{BB962C8B-B14F-4D97-AF65-F5344CB8AC3E}">
+        <p14:creationId xmlns:p14="http://schemas.microsoft.com/office/powerpoint/2010/main" val="4090175310"/>
       </p:ext>
     </p:extLst>
   </p:cSld>

--- a/Apigee_Glass.pptx
+++ b/Apigee_Glass.pptx
@@ -9,10 +9,13 @@
     <p:sldId id="260" r:id="rId3"/>
     <p:sldId id="257" r:id="rId4"/>
     <p:sldId id="258" r:id="rId5"/>
-    <p:sldId id="259" r:id="rId6"/>
-    <p:sldId id="261" r:id="rId7"/>
-    <p:sldId id="262" r:id="rId8"/>
-    <p:sldId id="263" r:id="rId9"/>
+    <p:sldId id="261" r:id="rId6"/>
+    <p:sldId id="262" r:id="rId7"/>
+    <p:sldId id="265" r:id="rId8"/>
+    <p:sldId id="266" r:id="rId9"/>
+    <p:sldId id="259" r:id="rId10"/>
+    <p:sldId id="263" r:id="rId11"/>
+    <p:sldId id="264" r:id="rId12"/>
   </p:sldIdLst>
   <p:sldSz cx="9144000" cy="6858000" type="screen4x3"/>
   <p:notesSz cx="6858000" cy="9144000"/>
@@ -3220,6 +3223,206 @@
 </p:sld>
 </file>
 
+<file path=ppt/slides/slide10.xml><?xml version="1.0" encoding="utf-8"?>
+<p:sld xmlns:a="http://schemas.openxmlformats.org/drawingml/2006/main" xmlns:r="http://schemas.openxmlformats.org/officeDocument/2006/relationships" xmlns:p="http://schemas.openxmlformats.org/presentationml/2006/main">
+  <p:cSld>
+    <p:spTree>
+      <p:nvGrpSpPr>
+        <p:cNvPr id="1" name=""/>
+        <p:cNvGrpSpPr/>
+        <p:nvPr/>
+      </p:nvGrpSpPr>
+      <p:grpSpPr>
+        <a:xfrm>
+          <a:off x="0" y="0"/>
+          <a:ext cx="0" cy="0"/>
+          <a:chOff x="0" y="0"/>
+          <a:chExt cx="0" cy="0"/>
+        </a:xfrm>
+      </p:grpSpPr>
+      <p:sp>
+        <p:nvSpPr>
+          <p:cNvPr id="2" name="Title 1"/>
+          <p:cNvSpPr>
+            <a:spLocks noGrp="1"/>
+          </p:cNvSpPr>
+          <p:nvPr>
+            <p:ph type="title"/>
+          </p:nvPr>
+        </p:nvSpPr>
+        <p:spPr/>
+        <p:txBody>
+          <a:bodyPr/>
+          <a:lstStyle/>
+          <a:p>
+            <a:r>
+              <a:rPr lang="en-US" dirty="0" smtClean="0"/>
+              <a:t>HTML5 Demo with </a:t>
+            </a:r>
+            <a:r>
+              <a:rPr lang="en-US" dirty="0" err="1" smtClean="0"/>
+              <a:t>PhoneGap</a:t>
+            </a:r>
+            <a:endParaRPr lang="en-US" dirty="0"/>
+          </a:p>
+        </p:txBody>
+      </p:sp>
+      <p:sp>
+        <p:nvSpPr>
+          <p:cNvPr id="3" name="Content Placeholder 2"/>
+          <p:cNvSpPr>
+            <a:spLocks noGrp="1"/>
+          </p:cNvSpPr>
+          <p:nvPr>
+            <p:ph idx="1"/>
+          </p:nvPr>
+        </p:nvSpPr>
+        <p:spPr/>
+        <p:txBody>
+          <a:bodyPr/>
+          <a:lstStyle/>
+          <a:p>
+            <a:r>
+              <a:rPr lang="en-US" dirty="0" smtClean="0"/>
+              <a:t>Google Glass</a:t>
+            </a:r>
+          </a:p>
+          <a:p>
+            <a:r>
+              <a:rPr lang="en-US" dirty="0" smtClean="0"/>
+              <a:t>ADT Bundle or IDE with ADT Plugin </a:t>
+            </a:r>
+            <a:r>
+              <a:rPr lang="en-US" dirty="0" smtClean="0">
+                <a:hlinkClick r:id="rId2"/>
+              </a:rPr>
+              <a:t>http://developer.android.com/sdk/installing/bundle.html</a:t>
+            </a:r>
+            <a:endParaRPr lang="en-US" dirty="0" smtClean="0"/>
+          </a:p>
+          <a:p>
+            <a:r>
+              <a:rPr lang="en-US" dirty="0" err="1" smtClean="0"/>
+              <a:t>adb</a:t>
+            </a:r>
+            <a:r>
+              <a:rPr lang="en-US" dirty="0" smtClean="0"/>
+              <a:t> $PATH variable setup </a:t>
+            </a:r>
+            <a:r>
+              <a:rPr lang="en-US" dirty="0" smtClean="0">
+                <a:hlinkClick r:id="rId3"/>
+              </a:rPr>
+              <a:t>http://developer.android.com/tools/help/adb.html</a:t>
+            </a:r>
+            <a:endParaRPr lang="en-US" dirty="0" smtClean="0"/>
+          </a:p>
+          <a:p>
+            <a:r>
+              <a:rPr lang="en-US" dirty="0" err="1" smtClean="0"/>
+              <a:t>PhoneGap</a:t>
+            </a:r>
+            <a:r>
+              <a:rPr lang="en-US" dirty="0" smtClean="0"/>
+              <a:t> (2.7.0+) </a:t>
+            </a:r>
+            <a:r>
+              <a:rPr lang="en-US" dirty="0" smtClean="0">
+                <a:hlinkClick r:id="rId4"/>
+              </a:rPr>
+              <a:t>http://phonegap.com/</a:t>
+            </a:r>
+            <a:r>
+              <a:rPr lang="en-US" dirty="0" smtClean="0"/>
+              <a:t> </a:t>
+            </a:r>
+          </a:p>
+          <a:p>
+            <a:endParaRPr lang="en-US" dirty="0"/>
+          </a:p>
+        </p:txBody>
+      </p:sp>
+    </p:spTree>
+    <p:extLst>
+      <p:ext uri="{BB962C8B-B14F-4D97-AF65-F5344CB8AC3E}">
+        <p14:creationId xmlns:p14="http://schemas.microsoft.com/office/powerpoint/2010/main" val="4090175310"/>
+      </p:ext>
+    </p:extLst>
+  </p:cSld>
+  <p:clrMapOvr>
+    <a:masterClrMapping/>
+  </p:clrMapOvr>
+</p:sld>
+</file>
+
+<file path=ppt/slides/slide11.xml><?xml version="1.0" encoding="utf-8"?>
+<p:sld xmlns:a="http://schemas.openxmlformats.org/drawingml/2006/main" xmlns:r="http://schemas.openxmlformats.org/officeDocument/2006/relationships" xmlns:p="http://schemas.openxmlformats.org/presentationml/2006/main">
+  <p:cSld>
+    <p:spTree>
+      <p:nvGrpSpPr>
+        <p:cNvPr id="1" name=""/>
+        <p:cNvGrpSpPr/>
+        <p:nvPr/>
+      </p:nvGrpSpPr>
+      <p:grpSpPr>
+        <a:xfrm>
+          <a:off x="0" y="0"/>
+          <a:ext cx="0" cy="0"/>
+          <a:chOff x="0" y="0"/>
+          <a:chExt cx="0" cy="0"/>
+        </a:xfrm>
+      </p:grpSpPr>
+      <p:sp>
+        <p:nvSpPr>
+          <p:cNvPr id="2" name="Title 1"/>
+          <p:cNvSpPr>
+            <a:spLocks noGrp="1"/>
+          </p:cNvSpPr>
+          <p:nvPr>
+            <p:ph type="title"/>
+          </p:nvPr>
+        </p:nvSpPr>
+        <p:spPr/>
+        <p:txBody>
+          <a:bodyPr/>
+          <a:lstStyle/>
+          <a:p>
+            <a:endParaRPr lang="en-US"/>
+          </a:p>
+        </p:txBody>
+      </p:sp>
+      <p:sp>
+        <p:nvSpPr>
+          <p:cNvPr id="3" name="Content Placeholder 2"/>
+          <p:cNvSpPr>
+            <a:spLocks noGrp="1"/>
+          </p:cNvSpPr>
+          <p:nvPr>
+            <p:ph idx="1"/>
+          </p:nvPr>
+        </p:nvSpPr>
+        <p:spPr/>
+        <p:txBody>
+          <a:bodyPr/>
+          <a:lstStyle/>
+          <a:p>
+            <a:endParaRPr lang="en-US"/>
+          </a:p>
+        </p:txBody>
+      </p:sp>
+    </p:spTree>
+    <p:extLst>
+      <p:ext uri="{BB962C8B-B14F-4D97-AF65-F5344CB8AC3E}">
+        <p14:creationId xmlns:p14="http://schemas.microsoft.com/office/powerpoint/2010/main" val="3854602003"/>
+      </p:ext>
+    </p:extLst>
+  </p:cSld>
+  <p:clrMapOvr>
+    <a:masterClrMapping/>
+  </p:clrMapOvr>
+</p:sld>
+</file>
+
 <file path=ppt/slides/slide2.xml><?xml version="1.0" encoding="utf-8"?>
 <p:sld xmlns:a="http://schemas.openxmlformats.org/drawingml/2006/main" xmlns:r="http://schemas.openxmlformats.org/officeDocument/2006/relationships" xmlns:p="http://schemas.openxmlformats.org/presentationml/2006/main">
   <p:cSld>
@@ -3540,7 +3743,11 @@
           <a:p>
             <a:r>
               <a:rPr lang="en-US" dirty="0" smtClean="0"/>
-              <a:t>Google Glass Development</a:t>
+              <a:t>Best Glass </a:t>
+            </a:r>
+            <a:r>
+              <a:rPr lang="en-US" dirty="0" err="1" smtClean="0"/>
+              <a:t>Experieces</a:t>
             </a:r>
             <a:endParaRPr lang="en-US" dirty="0"/>
           </a:p>
@@ -3563,42 +3770,27 @@
           <a:p>
             <a:r>
               <a:rPr lang="en-US" dirty="0" smtClean="0"/>
-              <a:t>No store or formal distribution method yet</a:t>
+              <a:t>Contextual</a:t>
             </a:r>
           </a:p>
           <a:p>
             <a:r>
               <a:rPr lang="en-US" dirty="0" smtClean="0"/>
-              <a:t>GDK unveiled this week</a:t>
+              <a:t>Relevant</a:t>
             </a:r>
           </a:p>
           <a:p>
             <a:r>
               <a:rPr lang="en-US" dirty="0" smtClean="0"/>
-              <a:t>.</a:t>
-            </a:r>
-            <a:r>
-              <a:rPr lang="en-US" dirty="0" err="1" smtClean="0"/>
-              <a:t>apk</a:t>
-            </a:r>
-            <a:r>
-              <a:rPr lang="en-US" dirty="0" smtClean="0"/>
-              <a:t> Android development or Mirror API</a:t>
-            </a:r>
-          </a:p>
-          <a:p>
-            <a:r>
-              <a:rPr lang="en-US" dirty="0" smtClean="0"/>
-              <a:t>Frequent operating system and API updates, as well as forthcoming hardware updates</a:t>
-            </a:r>
-            <a:endParaRPr lang="en-US" dirty="0"/>
+              <a:t>Quick</a:t>
+            </a:r>
           </a:p>
         </p:txBody>
       </p:sp>
     </p:spTree>
     <p:extLst>
       <p:ext uri="{BB962C8B-B14F-4D97-AF65-F5344CB8AC3E}">
-        <p14:creationId xmlns:p14="http://schemas.microsoft.com/office/powerpoint/2010/main" val="3764328714"/>
+        <p14:creationId xmlns:p14="http://schemas.microsoft.com/office/powerpoint/2010/main" val="3718552554"/>
       </p:ext>
     </p:extLst>
   </p:cSld>
@@ -3642,11 +3834,7 @@
           <a:p>
             <a:r>
               <a:rPr lang="en-US" dirty="0" smtClean="0"/>
-              <a:t>Best Glass </a:t>
-            </a:r>
-            <a:r>
-              <a:rPr lang="en-US" dirty="0" err="1" smtClean="0"/>
-              <a:t>Experieces</a:t>
+              <a:t>Limitations</a:t>
             </a:r>
             <a:endParaRPr lang="en-US" dirty="0"/>
           </a:p>
@@ -3669,19 +3857,13 @@
           <a:p>
             <a:r>
               <a:rPr lang="en-US" dirty="0" smtClean="0"/>
-              <a:t>Contextual</a:t>
+              <a:t>Battery power</a:t>
             </a:r>
           </a:p>
           <a:p>
             <a:r>
               <a:rPr lang="en-US" dirty="0" smtClean="0"/>
-              <a:t>Relevant</a:t>
-            </a:r>
-          </a:p>
-          <a:p>
-            <a:r>
-              <a:rPr lang="en-US" dirty="0" smtClean="0"/>
-              <a:t>Quick</a:t>
+              <a:t>Eye fatigue</a:t>
             </a:r>
           </a:p>
         </p:txBody>
@@ -3689,7 +3871,7 @@
     </p:spTree>
     <p:extLst>
       <p:ext uri="{BB962C8B-B14F-4D97-AF65-F5344CB8AC3E}">
-        <p14:creationId xmlns:p14="http://schemas.microsoft.com/office/powerpoint/2010/main" val="3718552554"/>
+        <p14:creationId xmlns:p14="http://schemas.microsoft.com/office/powerpoint/2010/main" val="2180615444"/>
       </p:ext>
     </p:extLst>
   </p:cSld>
@@ -3716,61 +3898,87 @@
           <a:chExt cx="0" cy="0"/>
         </a:xfrm>
       </p:grpSpPr>
-      <p:sp>
-        <p:nvSpPr>
-          <p:cNvPr id="2" name="Title 1"/>
-          <p:cNvSpPr>
-            <a:spLocks noGrp="1"/>
-          </p:cNvSpPr>
-          <p:nvPr>
-            <p:ph type="title"/>
-          </p:nvPr>
-        </p:nvSpPr>
-        <p:spPr/>
-        <p:txBody>
-          <a:bodyPr/>
-          <a:lstStyle/>
-          <a:p>
-            <a:r>
-              <a:rPr lang="en-US" dirty="0" smtClean="0"/>
-              <a:t>Limitations</a:t>
+      <p:pic>
+        <p:nvPicPr>
+          <p:cNvPr id="4" name="Content Placeholder 3" descr="teardown.jpg"/>
+          <p:cNvPicPr>
+            <a:picLocks noGrp="1" noChangeAspect="1"/>
+          </p:cNvPicPr>
+          <p:nvPr>
+            <p:ph idx="4294967295"/>
+          </p:nvPr>
+        </p:nvPicPr>
+        <p:blipFill>
+          <a:blip r:embed="rId2">
+            <a:extLst>
+              <a:ext uri="{28A0092B-C50C-407E-A947-70E740481C1C}">
+                <a14:useLocalDpi xmlns:a14="http://schemas.microsoft.com/office/drawing/2010/main" val="0"/>
+              </a:ext>
+            </a:extLst>
+          </a:blip>
+          <a:srcRect l="-13868" r="-13868"/>
+          <a:stretch>
+            <a:fillRect/>
+          </a:stretch>
+        </p:blipFill>
+        <p:spPr>
+          <a:xfrm>
+            <a:off x="-802105" y="508000"/>
+            <a:ext cx="10434329" cy="5738479"/>
+          </a:xfrm>
+        </p:spPr>
+      </p:pic>
+      <p:sp>
+        <p:nvSpPr>
+          <p:cNvPr id="6" name="TextBox 5"/>
+          <p:cNvSpPr txBox="1"/>
+          <p:nvPr/>
+        </p:nvSpPr>
+        <p:spPr>
+          <a:xfrm>
+            <a:off x="2843337" y="6240714"/>
+            <a:ext cx="5614863" cy="369332"/>
+          </a:xfrm>
+          <a:prstGeom prst="rect">
+            <a:avLst/>
+          </a:prstGeom>
+          <a:noFill/>
+        </p:spPr>
+        <p:txBody>
+          <a:bodyPr wrap="none" rtlCol="0">
+            <a:spAutoFit/>
+          </a:bodyPr>
+          <a:lstStyle/>
+          <a:p>
+            <a:pPr algn="r"/>
+            <a:r>
+              <a:rPr lang="pl-PL" dirty="0" smtClean="0"/>
+              <a:t>Source: http://</a:t>
+            </a:r>
+            <a:r>
+              <a:rPr lang="pl-PL" dirty="0" err="1" smtClean="0"/>
+              <a:t>www.catwig.com</a:t>
+            </a:r>
+            <a:r>
+              <a:rPr lang="pl-PL" dirty="0" smtClean="0"/>
+              <a:t>/</a:t>
+            </a:r>
+            <a:r>
+              <a:rPr lang="pl-PL" dirty="0" err="1" smtClean="0"/>
+              <a:t>google-glass-teardown</a:t>
+            </a:r>
+            <a:r>
+              <a:rPr lang="pl-PL" dirty="0" smtClean="0"/>
+              <a:t>/</a:t>
             </a:r>
             <a:endParaRPr lang="en-US" dirty="0"/>
-          </a:p>
-        </p:txBody>
-      </p:sp>
-      <p:sp>
-        <p:nvSpPr>
-          <p:cNvPr id="3" name="Content Placeholder 2"/>
-          <p:cNvSpPr>
-            <a:spLocks noGrp="1"/>
-          </p:cNvSpPr>
-          <p:nvPr>
-            <p:ph idx="1"/>
-          </p:nvPr>
-        </p:nvSpPr>
-        <p:spPr/>
-        <p:txBody>
-          <a:bodyPr/>
-          <a:lstStyle/>
-          <a:p>
-            <a:r>
-              <a:rPr lang="en-US" dirty="0" smtClean="0"/>
-              <a:t>Battery power</a:t>
-            </a:r>
-          </a:p>
-          <a:p>
-            <a:r>
-              <a:rPr lang="en-US" dirty="0" smtClean="0"/>
-              <a:t>Eye fatigue</a:t>
-            </a:r>
           </a:p>
         </p:txBody>
       </p:sp>
     </p:spTree>
     <p:extLst>
       <p:ext uri="{BB962C8B-B14F-4D97-AF65-F5344CB8AC3E}">
-        <p14:creationId xmlns:p14="http://schemas.microsoft.com/office/powerpoint/2010/main" val="2180615444"/>
+        <p14:creationId xmlns:p14="http://schemas.microsoft.com/office/powerpoint/2010/main" val="2432831969"/>
       </p:ext>
     </p:extLst>
   </p:cSld>
@@ -3797,111 +4005,79 @@
           <a:chExt cx="0" cy="0"/>
         </a:xfrm>
       </p:grpSpPr>
-      <p:sp>
-        <p:nvSpPr>
-          <p:cNvPr id="2" name="Title 1"/>
-          <p:cNvSpPr>
-            <a:spLocks noGrp="1"/>
-          </p:cNvSpPr>
-          <p:nvPr>
-            <p:ph type="title"/>
-          </p:nvPr>
-        </p:nvSpPr>
-        <p:spPr/>
-        <p:txBody>
-          <a:bodyPr/>
-          <a:lstStyle/>
-          <a:p>
-            <a:r>
-              <a:rPr lang="en-US" dirty="0" smtClean="0"/>
-              <a:t>HTML5 Demo with </a:t>
-            </a:r>
-            <a:r>
-              <a:rPr lang="en-US" dirty="0" err="1" smtClean="0"/>
-              <a:t>PhoneGap</a:t>
-            </a:r>
-            <a:endParaRPr lang="en-US" dirty="0"/>
-          </a:p>
-        </p:txBody>
-      </p:sp>
-      <p:sp>
-        <p:nvSpPr>
-          <p:cNvPr id="3" name="Content Placeholder 2"/>
-          <p:cNvSpPr>
-            <a:spLocks noGrp="1"/>
-          </p:cNvSpPr>
-          <p:nvPr>
-            <p:ph idx="1"/>
-          </p:nvPr>
-        </p:nvSpPr>
-        <p:spPr/>
-        <p:txBody>
-          <a:bodyPr/>
-          <a:lstStyle/>
-          <a:p>
-            <a:r>
-              <a:rPr lang="en-US" dirty="0" smtClean="0"/>
-              <a:t>Google Glass</a:t>
-            </a:r>
-          </a:p>
-          <a:p>
-            <a:r>
-              <a:rPr lang="en-US" dirty="0" smtClean="0"/>
-              <a:t>ADT Bundle or IDE with ADT Plugin </a:t>
-            </a:r>
-            <a:r>
-              <a:rPr lang="en-US" dirty="0" smtClean="0">
-                <a:hlinkClick r:id="rId2"/>
-              </a:rPr>
-              <a:t>http://developer.android.com/sdk/installing/bundle.html</a:t>
-            </a:r>
-            <a:endParaRPr lang="en-US" dirty="0" smtClean="0"/>
-          </a:p>
-          <a:p>
-            <a:r>
-              <a:rPr lang="en-US" dirty="0" err="1" smtClean="0"/>
-              <a:t>adb</a:t>
-            </a:r>
-            <a:r>
-              <a:rPr lang="en-US" dirty="0" smtClean="0"/>
-              <a:t> $PATH variable setup </a:t>
-            </a:r>
-            <a:r>
-              <a:rPr lang="en-US" dirty="0" smtClean="0">
-                <a:hlinkClick r:id="rId3"/>
-              </a:rPr>
-              <a:t>http://developer.android.com/tools/help/adb.html</a:t>
-            </a:r>
-            <a:endParaRPr lang="en-US" dirty="0" smtClean="0"/>
-          </a:p>
-          <a:p>
-            <a:r>
-              <a:rPr lang="en-US" dirty="0" err="1" smtClean="0"/>
-              <a:t>PhoneGap</a:t>
-            </a:r>
-            <a:r>
-              <a:rPr lang="en-US" dirty="0" smtClean="0"/>
-              <a:t> (2.7.0+) </a:t>
-            </a:r>
-            <a:r>
-              <a:rPr lang="en-US" dirty="0" smtClean="0">
-                <a:hlinkClick r:id="rId4"/>
-              </a:rPr>
-              <a:t>http://phonegap.com</a:t>
-            </a:r>
-            <a:r>
-              <a:rPr lang="en-US" smtClean="0">
-                <a:hlinkClick r:id="rId4"/>
-              </a:rPr>
+      <p:pic>
+        <p:nvPicPr>
+          <p:cNvPr id="2" name="Picture 1" descr="exploded-isometric-thumb.jpg"/>
+          <p:cNvPicPr>
+            <a:picLocks noChangeAspect="1"/>
+          </p:cNvPicPr>
+          <p:nvPr/>
+        </p:nvPicPr>
+        <p:blipFill>
+          <a:blip r:embed="rId2">
+            <a:extLst>
+              <a:ext uri="{28A0092B-C50C-407E-A947-70E740481C1C}">
+                <a14:useLocalDpi xmlns:a14="http://schemas.microsoft.com/office/drawing/2010/main" val="0"/>
+              </a:ext>
+            </a:extLst>
+          </a:blip>
+          <a:stretch>
+            <a:fillRect/>
+          </a:stretch>
+        </p:blipFill>
+        <p:spPr>
+          <a:xfrm>
+            <a:off x="-141058" y="13376"/>
+            <a:ext cx="9450696" cy="6296526"/>
+          </a:xfrm>
+          <a:prstGeom prst="rect">
+            <a:avLst/>
+          </a:prstGeom>
+        </p:spPr>
+      </p:pic>
+      <p:sp>
+        <p:nvSpPr>
+          <p:cNvPr id="3" name="TextBox 2"/>
+          <p:cNvSpPr txBox="1"/>
+          <p:nvPr/>
+        </p:nvSpPr>
+        <p:spPr>
+          <a:xfrm>
+            <a:off x="2843337" y="6240714"/>
+            <a:ext cx="5614863" cy="369332"/>
+          </a:xfrm>
+          <a:prstGeom prst="rect">
+            <a:avLst/>
+          </a:prstGeom>
+          <a:noFill/>
+        </p:spPr>
+        <p:txBody>
+          <a:bodyPr wrap="none" rtlCol="0">
+            <a:spAutoFit/>
+          </a:bodyPr>
+          <a:lstStyle/>
+          <a:p>
+            <a:pPr algn="r"/>
+            <a:r>
+              <a:rPr lang="pl-PL" dirty="0" smtClean="0"/>
+              <a:t>Source: http://</a:t>
+            </a:r>
+            <a:r>
+              <a:rPr lang="pl-PL" dirty="0" err="1" smtClean="0"/>
+              <a:t>www.catwig.com</a:t>
+            </a:r>
+            <a:r>
+              <a:rPr lang="pl-PL" dirty="0" smtClean="0"/>
               <a:t>/</a:t>
             </a:r>
             <a:r>
-              <a:rPr lang="en-US" smtClean="0"/>
-              <a:t> </a:t>
-            </a:r>
-            <a:endParaRPr lang="en-US" dirty="0" smtClean="0"/>
-          </a:p>
-          <a:p>
+              <a:rPr lang="pl-PL" dirty="0" err="1" smtClean="0"/>
+              <a:t>google-glass-teardown</a:t>
+            </a:r>
+            <a:r>
+              <a:rPr lang="pl-PL" dirty="0" smtClean="0"/>
+              <a:t>/</a:t>
+            </a:r>
             <a:endParaRPr lang="en-US" dirty="0"/>
           </a:p>
         </p:txBody>
@@ -3909,7 +4085,109 @@
     </p:spTree>
     <p:extLst>
       <p:ext uri="{BB962C8B-B14F-4D97-AF65-F5344CB8AC3E}">
-        <p14:creationId xmlns:p14="http://schemas.microsoft.com/office/powerpoint/2010/main" val="4090175310"/>
+        <p14:creationId xmlns:p14="http://schemas.microsoft.com/office/powerpoint/2010/main" val="3874917460"/>
+      </p:ext>
+    </p:extLst>
+  </p:cSld>
+  <p:clrMapOvr>
+    <a:masterClrMapping/>
+  </p:clrMapOvr>
+</p:sld>
+</file>
+
+<file path=ppt/slides/slide9.xml><?xml version="1.0" encoding="utf-8"?>
+<p:sld xmlns:a="http://schemas.openxmlformats.org/drawingml/2006/main" xmlns:r="http://schemas.openxmlformats.org/officeDocument/2006/relationships" xmlns:p="http://schemas.openxmlformats.org/presentationml/2006/main">
+  <p:cSld>
+    <p:spTree>
+      <p:nvGrpSpPr>
+        <p:cNvPr id="1" name=""/>
+        <p:cNvGrpSpPr/>
+        <p:nvPr/>
+      </p:nvGrpSpPr>
+      <p:grpSpPr>
+        <a:xfrm>
+          <a:off x="0" y="0"/>
+          <a:ext cx="0" cy="0"/>
+          <a:chOff x="0" y="0"/>
+          <a:chExt cx="0" cy="0"/>
+        </a:xfrm>
+      </p:grpSpPr>
+      <p:sp>
+        <p:nvSpPr>
+          <p:cNvPr id="2" name="Title 1"/>
+          <p:cNvSpPr>
+            <a:spLocks noGrp="1"/>
+          </p:cNvSpPr>
+          <p:nvPr>
+            <p:ph type="title"/>
+          </p:nvPr>
+        </p:nvSpPr>
+        <p:spPr/>
+        <p:txBody>
+          <a:bodyPr/>
+          <a:lstStyle/>
+          <a:p>
+            <a:r>
+              <a:rPr lang="en-US" dirty="0" smtClean="0"/>
+              <a:t>Google Glass Development</a:t>
+            </a:r>
+            <a:endParaRPr lang="en-US" dirty="0"/>
+          </a:p>
+        </p:txBody>
+      </p:sp>
+      <p:sp>
+        <p:nvSpPr>
+          <p:cNvPr id="3" name="Content Placeholder 2"/>
+          <p:cNvSpPr>
+            <a:spLocks noGrp="1"/>
+          </p:cNvSpPr>
+          <p:nvPr>
+            <p:ph idx="1"/>
+          </p:nvPr>
+        </p:nvSpPr>
+        <p:spPr/>
+        <p:txBody>
+          <a:bodyPr/>
+          <a:lstStyle/>
+          <a:p>
+            <a:r>
+              <a:rPr lang="en-US" dirty="0" smtClean="0"/>
+              <a:t>No store or formal distribution method for Apps yet</a:t>
+            </a:r>
+          </a:p>
+          <a:p>
+            <a:r>
+              <a:rPr lang="en-US" dirty="0" smtClean="0"/>
+              <a:t>GDK unveiled this week</a:t>
+            </a:r>
+          </a:p>
+          <a:p>
+            <a:r>
+              <a:rPr lang="en-US" dirty="0" smtClean="0"/>
+              <a:t>.</a:t>
+            </a:r>
+            <a:r>
+              <a:rPr lang="en-US" dirty="0" err="1" smtClean="0"/>
+              <a:t>apk</a:t>
+            </a:r>
+            <a:r>
+              <a:rPr lang="en-US" dirty="0" smtClean="0"/>
+              <a:t> Android development or Mirror API</a:t>
+            </a:r>
+          </a:p>
+          <a:p>
+            <a:r>
+              <a:rPr lang="en-US" dirty="0" smtClean="0"/>
+              <a:t>Frequent operating system and API updates, as well as forthcoming hardware updates</a:t>
+            </a:r>
+            <a:endParaRPr lang="en-US" dirty="0"/>
+          </a:p>
+        </p:txBody>
+      </p:sp>
+    </p:spTree>
+    <p:extLst>
+      <p:ext uri="{BB962C8B-B14F-4D97-AF65-F5344CB8AC3E}">
+        <p14:creationId xmlns:p14="http://schemas.microsoft.com/office/powerpoint/2010/main" val="3764328714"/>
       </p:ext>
     </p:extLst>
   </p:cSld>

--- a/Apigee_Glass.pptx
+++ b/Apigee_Glass.pptx
@@ -15,7 +15,7 @@
     <p:sldId id="266" r:id="rId9"/>
     <p:sldId id="259" r:id="rId10"/>
     <p:sldId id="263" r:id="rId11"/>
-    <p:sldId id="264" r:id="rId12"/>
+    <p:sldId id="267" r:id="rId12"/>
   </p:sldIdLst>
   <p:sldSz cx="9144000" cy="6858000" type="screen4x3"/>
   <p:notesSz cx="6858000" cy="9144000"/>
@@ -3379,41 +3379,79 @@
             <a:spLocks noGrp="1"/>
           </p:cNvSpPr>
           <p:nvPr>
-            <p:ph type="title"/>
-          </p:nvPr>
-        </p:nvSpPr>
-        <p:spPr/>
-        <p:txBody>
-          <a:bodyPr/>
-          <a:lstStyle/>
-          <a:p>
-            <a:endParaRPr lang="en-US"/>
-          </a:p>
-        </p:txBody>
-      </p:sp>
-      <p:sp>
-        <p:nvSpPr>
-          <p:cNvPr id="3" name="Content Placeholder 2"/>
-          <p:cNvSpPr>
-            <a:spLocks noGrp="1"/>
-          </p:cNvSpPr>
-          <p:nvPr>
-            <p:ph idx="1"/>
-          </p:nvPr>
-        </p:nvSpPr>
-        <p:spPr/>
-        <p:txBody>
-          <a:bodyPr/>
-          <a:lstStyle/>
-          <a:p>
-            <a:endParaRPr lang="en-US"/>
+            <p:ph type="ctrTitle"/>
+          </p:nvPr>
+        </p:nvSpPr>
+        <p:spPr>
+          <a:xfrm>
+            <a:off x="685800" y="2593474"/>
+            <a:ext cx="7772400" cy="1006976"/>
+          </a:xfrm>
+        </p:spPr>
+        <p:txBody>
+          <a:bodyPr/>
+          <a:lstStyle/>
+          <a:p>
+            <a:pPr algn="r"/>
+            <a:r>
+              <a:rPr lang="da-DK" dirty="0" smtClean="0"/>
+              <a:t>Q&amp;A</a:t>
+            </a:r>
+            <a:endParaRPr lang="en-US" dirty="0"/>
+          </a:p>
+        </p:txBody>
+      </p:sp>
+      <p:sp>
+        <p:nvSpPr>
+          <p:cNvPr id="4" name="TextBox 3"/>
+          <p:cNvSpPr txBox="1"/>
+          <p:nvPr/>
+        </p:nvSpPr>
+        <p:spPr>
+          <a:xfrm>
+            <a:off x="5666074" y="5786202"/>
+            <a:ext cx="2792126" cy="646331"/>
+          </a:xfrm>
+          <a:prstGeom prst="rect">
+            <a:avLst/>
+          </a:prstGeom>
+          <a:noFill/>
+        </p:spPr>
+        <p:txBody>
+          <a:bodyPr wrap="none" rtlCol="0">
+            <a:spAutoFit/>
+          </a:bodyPr>
+          <a:lstStyle/>
+          <a:p>
+            <a:pPr algn="r"/>
+            <a:r>
+              <a:rPr lang="en-US" dirty="0" smtClean="0"/>
+              <a:t>Brenda Jin @</a:t>
+            </a:r>
+            <a:r>
+              <a:rPr lang="en-US" dirty="0" err="1" smtClean="0"/>
+              <a:t>cyberneticlove</a:t>
+            </a:r>
+            <a:endParaRPr lang="en-US" dirty="0" smtClean="0"/>
+          </a:p>
+          <a:p>
+            <a:pPr algn="r"/>
+            <a:r>
+              <a:rPr lang="en-US" dirty="0" smtClean="0"/>
+              <a:t>Developer, </a:t>
+            </a:r>
+            <a:r>
+              <a:rPr lang="en-US" dirty="0" err="1" smtClean="0"/>
+              <a:t>Macys.com</a:t>
+            </a:r>
+            <a:endParaRPr lang="en-US" dirty="0"/>
           </a:p>
         </p:txBody>
       </p:sp>
     </p:spTree>
     <p:extLst>
       <p:ext uri="{BB962C8B-B14F-4D97-AF65-F5344CB8AC3E}">
-        <p14:creationId xmlns:p14="http://schemas.microsoft.com/office/powerpoint/2010/main" val="3854602003"/>
+        <p14:creationId xmlns:p14="http://schemas.microsoft.com/office/powerpoint/2010/main" val="3426670732"/>
       </p:ext>
     </p:extLst>
   </p:cSld>
@@ -4158,8 +4196,13 @@
           <a:p>
             <a:r>
               <a:rPr lang="en-US" dirty="0" smtClean="0"/>
-              <a:t>GDK unveiled this week</a:t>
-            </a:r>
+              <a:t>GDK </a:t>
+            </a:r>
+            <a:r>
+              <a:rPr lang="en-US" smtClean="0"/>
+              <a:t>unveiled next week</a:t>
+            </a:r>
+            <a:endParaRPr lang="en-US" dirty="0" smtClean="0"/>
           </a:p>
           <a:p>
             <a:r>
